--- a/Szerver bemutató.pptx
+++ b/Szerver bemutató.pptx
@@ -113,6 +113,11 @@
       </a:defRPr>
     </a:lvl9pPr>
   </p:defaultTextStyle>
+  <p:extLst>
+    <p:ext uri="{EFAFB233-063F-42B5-8137-9DF3F51BA10A}">
+      <p15:sldGuideLst xmlns:p15="http://schemas.microsoft.com/office/powerpoint/2012/main"/>
+    </p:ext>
+  </p:extLst>
 </p:presentation>
 </file>
 
@@ -3474,13 +3479,13 @@
   <p:clrMapOvr>
     <a:masterClrMapping/>
   </p:clrMapOvr>
-  <mc:AlternateContent xmlns:mc="http://schemas.openxmlformats.org/markup-compatibility/2006">
-    <mc:Choice xmlns:p14="http://schemas.microsoft.com/office/powerpoint/2010/main" Requires="p14">
+  <mc:AlternateContent xmlns:mc="http://schemas.openxmlformats.org/markup-compatibility/2006" xmlns:p14="http://schemas.microsoft.com/office/powerpoint/2010/main">
+    <mc:Choice Requires="p14">
       <p:transition spd="slow" p14:dur="1600">
         <p:blinds dir="vert"/>
       </p:transition>
     </mc:Choice>
-    <mc:Fallback>
+    <mc:Fallback xmlns="">
       <p:transition spd="slow">
         <p:blinds dir="vert"/>
       </p:transition>
@@ -3790,9 +3795,390 @@
   <p:clrMapOvr>
     <a:masterClrMapping/>
   </p:clrMapOvr>
-  <p:transition spd="slow">
-    <p:cover/>
-  </p:transition>
+  <mc:AlternateContent xmlns:mc="http://schemas.openxmlformats.org/markup-compatibility/2006">
+    <mc:Choice xmlns:p14="http://schemas.microsoft.com/office/powerpoint/2010/main" Requires="p14">
+      <p:transition spd="slow" p14:dur="1600">
+        <p:blinds dir="vert"/>
+      </p:transition>
+    </mc:Choice>
+    <mc:Fallback>
+      <p:transition spd="slow">
+        <p:blinds dir="vert"/>
+      </p:transition>
+    </mc:Fallback>
+  </mc:AlternateContent>
+  <p:timing>
+    <p:tnLst>
+      <p:par>
+        <p:cTn id="1" dur="indefinite" restart="never" nodeType="tmRoot">
+          <p:childTnLst>
+            <p:seq concurrent="1" nextAc="seek">
+              <p:cTn id="2" dur="indefinite" nodeType="mainSeq">
+                <p:childTnLst>
+                  <p:par>
+                    <p:cTn id="3" fill="hold">
+                      <p:stCondLst>
+                        <p:cond delay="indefinite"/>
+                        <p:cond evt="onBegin" delay="0">
+                          <p:tn val="2"/>
+                        </p:cond>
+                      </p:stCondLst>
+                      <p:childTnLst>
+                        <p:par>
+                          <p:cTn id="4" fill="hold">
+                            <p:stCondLst>
+                              <p:cond delay="0"/>
+                            </p:stCondLst>
+                            <p:childTnLst>
+                              <p:par>
+                                <p:cTn id="5" presetID="47" presetClass="entr" presetSubtype="0" fill="hold" grpId="0" nodeType="afterEffect">
+                                  <p:stCondLst>
+                                    <p:cond delay="0"/>
+                                  </p:stCondLst>
+                                  <p:childTnLst>
+                                    <p:set>
+                                      <p:cBhvr>
+                                        <p:cTn id="6" dur="1" fill="hold">
+                                          <p:stCondLst>
+                                            <p:cond delay="0"/>
+                                          </p:stCondLst>
+                                        </p:cTn>
+                                        <p:tgtEl>
+                                          <p:spTgt spid="6"/>
+                                        </p:tgtEl>
+                                        <p:attrNameLst>
+                                          <p:attrName>style.visibility</p:attrName>
+                                        </p:attrNameLst>
+                                      </p:cBhvr>
+                                      <p:to>
+                                        <p:strVal val="visible"/>
+                                      </p:to>
+                                    </p:set>
+                                    <p:animEffect transition="in" filter="fade">
+                                      <p:cBhvr>
+                                        <p:cTn id="7" dur="1000"/>
+                                        <p:tgtEl>
+                                          <p:spTgt spid="6"/>
+                                        </p:tgtEl>
+                                      </p:cBhvr>
+                                    </p:animEffect>
+                                    <p:anim calcmode="lin" valueType="num">
+                                      <p:cBhvr>
+                                        <p:cTn id="8" dur="1000" fill="hold"/>
+                                        <p:tgtEl>
+                                          <p:spTgt spid="6"/>
+                                        </p:tgtEl>
+                                        <p:attrNameLst>
+                                          <p:attrName>ppt_x</p:attrName>
+                                        </p:attrNameLst>
+                                      </p:cBhvr>
+                                      <p:tavLst>
+                                        <p:tav tm="0">
+                                          <p:val>
+                                            <p:strVal val="#ppt_x"/>
+                                          </p:val>
+                                        </p:tav>
+                                        <p:tav tm="100000">
+                                          <p:val>
+                                            <p:strVal val="#ppt_x"/>
+                                          </p:val>
+                                        </p:tav>
+                                      </p:tavLst>
+                                    </p:anim>
+                                    <p:anim calcmode="lin" valueType="num">
+                                      <p:cBhvr>
+                                        <p:cTn id="9" dur="1000" fill="hold"/>
+                                        <p:tgtEl>
+                                          <p:spTgt spid="6"/>
+                                        </p:tgtEl>
+                                        <p:attrNameLst>
+                                          <p:attrName>ppt_y</p:attrName>
+                                        </p:attrNameLst>
+                                      </p:cBhvr>
+                                      <p:tavLst>
+                                        <p:tav tm="0">
+                                          <p:val>
+                                            <p:strVal val="#ppt_y-.1"/>
+                                          </p:val>
+                                        </p:tav>
+                                        <p:tav tm="100000">
+                                          <p:val>
+                                            <p:strVal val="#ppt_y"/>
+                                          </p:val>
+                                        </p:tav>
+                                      </p:tavLst>
+                                    </p:anim>
+                                  </p:childTnLst>
+                                </p:cTn>
+                              </p:par>
+                              <p:par>
+                                <p:cTn id="10" presetID="47" presetClass="entr" presetSubtype="0" fill="hold" grpId="0" nodeType="withEffect">
+                                  <p:stCondLst>
+                                    <p:cond delay="0"/>
+                                  </p:stCondLst>
+                                  <p:childTnLst>
+                                    <p:set>
+                                      <p:cBhvr>
+                                        <p:cTn id="11" dur="1" fill="hold">
+                                          <p:stCondLst>
+                                            <p:cond delay="0"/>
+                                          </p:stCondLst>
+                                        </p:cTn>
+                                        <p:tgtEl>
+                                          <p:spTgt spid="7"/>
+                                        </p:tgtEl>
+                                        <p:attrNameLst>
+                                          <p:attrName>style.visibility</p:attrName>
+                                        </p:attrNameLst>
+                                      </p:cBhvr>
+                                      <p:to>
+                                        <p:strVal val="visible"/>
+                                      </p:to>
+                                    </p:set>
+                                    <p:animEffect transition="in" filter="fade">
+                                      <p:cBhvr>
+                                        <p:cTn id="12" dur="1000"/>
+                                        <p:tgtEl>
+                                          <p:spTgt spid="7"/>
+                                        </p:tgtEl>
+                                      </p:cBhvr>
+                                    </p:animEffect>
+                                    <p:anim calcmode="lin" valueType="num">
+                                      <p:cBhvr>
+                                        <p:cTn id="13" dur="1000" fill="hold"/>
+                                        <p:tgtEl>
+                                          <p:spTgt spid="7"/>
+                                        </p:tgtEl>
+                                        <p:attrNameLst>
+                                          <p:attrName>ppt_x</p:attrName>
+                                        </p:attrNameLst>
+                                      </p:cBhvr>
+                                      <p:tavLst>
+                                        <p:tav tm="0">
+                                          <p:val>
+                                            <p:strVal val="#ppt_x"/>
+                                          </p:val>
+                                        </p:tav>
+                                        <p:tav tm="100000">
+                                          <p:val>
+                                            <p:strVal val="#ppt_x"/>
+                                          </p:val>
+                                        </p:tav>
+                                      </p:tavLst>
+                                    </p:anim>
+                                    <p:anim calcmode="lin" valueType="num">
+                                      <p:cBhvr>
+                                        <p:cTn id="14" dur="1000" fill="hold"/>
+                                        <p:tgtEl>
+                                          <p:spTgt spid="7"/>
+                                        </p:tgtEl>
+                                        <p:attrNameLst>
+                                          <p:attrName>ppt_y</p:attrName>
+                                        </p:attrNameLst>
+                                      </p:cBhvr>
+                                      <p:tavLst>
+                                        <p:tav tm="0">
+                                          <p:val>
+                                            <p:strVal val="#ppt_y-.1"/>
+                                          </p:val>
+                                        </p:tav>
+                                        <p:tav tm="100000">
+                                          <p:val>
+                                            <p:strVal val="#ppt_y"/>
+                                          </p:val>
+                                        </p:tav>
+                                      </p:tavLst>
+                                    </p:anim>
+                                  </p:childTnLst>
+                                </p:cTn>
+                              </p:par>
+                            </p:childTnLst>
+                          </p:cTn>
+                        </p:par>
+                        <p:par>
+                          <p:cTn id="15" fill="hold">
+                            <p:stCondLst>
+                              <p:cond delay="1000"/>
+                            </p:stCondLst>
+                            <p:childTnLst>
+                              <p:par>
+                                <p:cTn id="16" presetID="2" presetClass="entr" presetSubtype="8" fill="hold" nodeType="afterEffect">
+                                  <p:stCondLst>
+                                    <p:cond delay="0"/>
+                                  </p:stCondLst>
+                                  <p:childTnLst>
+                                    <p:set>
+                                      <p:cBhvr>
+                                        <p:cTn id="17" dur="1" fill="hold">
+                                          <p:stCondLst>
+                                            <p:cond delay="0"/>
+                                          </p:stCondLst>
+                                        </p:cTn>
+                                        <p:tgtEl>
+                                          <p:spTgt spid="3"/>
+                                        </p:tgtEl>
+                                        <p:attrNameLst>
+                                          <p:attrName>style.visibility</p:attrName>
+                                        </p:attrNameLst>
+                                      </p:cBhvr>
+                                      <p:to>
+                                        <p:strVal val="visible"/>
+                                      </p:to>
+                                    </p:set>
+                                    <p:anim calcmode="lin" valueType="num">
+                                      <p:cBhvr additive="base">
+                                        <p:cTn id="18" dur="1000" fill="hold"/>
+                                        <p:tgtEl>
+                                          <p:spTgt spid="3"/>
+                                        </p:tgtEl>
+                                        <p:attrNameLst>
+                                          <p:attrName>ppt_x</p:attrName>
+                                        </p:attrNameLst>
+                                      </p:cBhvr>
+                                      <p:tavLst>
+                                        <p:tav tm="0">
+                                          <p:val>
+                                            <p:strVal val="0-#ppt_w/2"/>
+                                          </p:val>
+                                        </p:tav>
+                                        <p:tav tm="100000">
+                                          <p:val>
+                                            <p:strVal val="#ppt_x"/>
+                                          </p:val>
+                                        </p:tav>
+                                      </p:tavLst>
+                                    </p:anim>
+                                    <p:anim calcmode="lin" valueType="num">
+                                      <p:cBhvr additive="base">
+                                        <p:cTn id="19" dur="1000" fill="hold"/>
+                                        <p:tgtEl>
+                                          <p:spTgt spid="3"/>
+                                        </p:tgtEl>
+                                        <p:attrNameLst>
+                                          <p:attrName>ppt_y</p:attrName>
+                                        </p:attrNameLst>
+                                      </p:cBhvr>
+                                      <p:tavLst>
+                                        <p:tav tm="0">
+                                          <p:val>
+                                            <p:strVal val="#ppt_y"/>
+                                          </p:val>
+                                        </p:tav>
+                                        <p:tav tm="100000">
+                                          <p:val>
+                                            <p:strVal val="#ppt_y"/>
+                                          </p:val>
+                                        </p:tav>
+                                      </p:tavLst>
+                                    </p:anim>
+                                  </p:childTnLst>
+                                </p:cTn>
+                              </p:par>
+                              <p:par>
+                                <p:cTn id="20" presetID="2" presetClass="entr" presetSubtype="2" fill="hold" nodeType="withEffect">
+                                  <p:stCondLst>
+                                    <p:cond delay="0"/>
+                                  </p:stCondLst>
+                                  <p:childTnLst>
+                                    <p:set>
+                                      <p:cBhvr>
+                                        <p:cTn id="21" dur="1" fill="hold">
+                                          <p:stCondLst>
+                                            <p:cond delay="0"/>
+                                          </p:stCondLst>
+                                        </p:cTn>
+                                        <p:tgtEl>
+                                          <p:spTgt spid="5"/>
+                                        </p:tgtEl>
+                                        <p:attrNameLst>
+                                          <p:attrName>style.visibility</p:attrName>
+                                        </p:attrNameLst>
+                                      </p:cBhvr>
+                                      <p:to>
+                                        <p:strVal val="visible"/>
+                                      </p:to>
+                                    </p:set>
+                                    <p:anim calcmode="lin" valueType="num">
+                                      <p:cBhvr additive="base">
+                                        <p:cTn id="22" dur="1000" fill="hold"/>
+                                        <p:tgtEl>
+                                          <p:spTgt spid="5"/>
+                                        </p:tgtEl>
+                                        <p:attrNameLst>
+                                          <p:attrName>ppt_x</p:attrName>
+                                        </p:attrNameLst>
+                                      </p:cBhvr>
+                                      <p:tavLst>
+                                        <p:tav tm="0">
+                                          <p:val>
+                                            <p:strVal val="1+#ppt_w/2"/>
+                                          </p:val>
+                                        </p:tav>
+                                        <p:tav tm="100000">
+                                          <p:val>
+                                            <p:strVal val="#ppt_x"/>
+                                          </p:val>
+                                        </p:tav>
+                                      </p:tavLst>
+                                    </p:anim>
+                                    <p:anim calcmode="lin" valueType="num">
+                                      <p:cBhvr additive="base">
+                                        <p:cTn id="23" dur="1000" fill="hold"/>
+                                        <p:tgtEl>
+                                          <p:spTgt spid="5"/>
+                                        </p:tgtEl>
+                                        <p:attrNameLst>
+                                          <p:attrName>ppt_y</p:attrName>
+                                        </p:attrNameLst>
+                                      </p:cBhvr>
+                                      <p:tavLst>
+                                        <p:tav tm="0">
+                                          <p:val>
+                                            <p:strVal val="#ppt_y"/>
+                                          </p:val>
+                                        </p:tav>
+                                        <p:tav tm="100000">
+                                          <p:val>
+                                            <p:strVal val="#ppt_y"/>
+                                          </p:val>
+                                        </p:tav>
+                                      </p:tavLst>
+                                    </p:anim>
+                                  </p:childTnLst>
+                                </p:cTn>
+                              </p:par>
+                            </p:childTnLst>
+                          </p:cTn>
+                        </p:par>
+                      </p:childTnLst>
+                    </p:cTn>
+                  </p:par>
+                </p:childTnLst>
+              </p:cTn>
+              <p:prevCondLst>
+                <p:cond evt="onPrev" delay="0">
+                  <p:tgtEl>
+                    <p:sldTgt/>
+                  </p:tgtEl>
+                </p:cond>
+              </p:prevCondLst>
+              <p:nextCondLst>
+                <p:cond evt="onNext" delay="0">
+                  <p:tgtEl>
+                    <p:sldTgt/>
+                  </p:tgtEl>
+                </p:cond>
+              </p:nextCondLst>
+            </p:seq>
+          </p:childTnLst>
+        </p:cTn>
+      </p:par>
+    </p:tnLst>
+    <p:bldLst>
+      <p:bldP spid="6" grpId="0"/>
+      <p:bldP spid="7" grpId="0"/>
+    </p:bldLst>
+  </p:timing>
 </p:sld>
 </file>
 
@@ -3827,8 +4213,8 @@
         </p:nvSpPr>
         <p:spPr>
           <a:xfrm>
-            <a:off x="3167269" y="2551837"/>
-            <a:ext cx="5857461" cy="1754326"/>
+            <a:off x="2650435" y="2551837"/>
+            <a:ext cx="7098476" cy="1754326"/>
           </a:xfrm>
           <a:prstGeom prst="rect">
             <a:avLst/>
@@ -3861,7 +4247,7 @@
               <a:rPr lang="hu-HU" dirty="0">
                 <a:effectLst/>
               </a:rPr>
-              <a:t>FTP/TFTP/NTP/MAIL szerver: Windows</a:t>
+              <a:t>FTP/TFTP/NTP/MAIL/SYSLOG szerver: Windows</a:t>
             </a:r>
           </a:p>
           <a:p>
@@ -3870,7 +4256,7 @@
                 <a:latin typeface="Times New Roman" panose="02020603050405020304" pitchFamily="18" charset="0"/>
                 <a:cs typeface="Times New Roman" panose="02020603050405020304" pitchFamily="18" charset="0"/>
               </a:rPr>
-              <a:t>	- DNS/DHCP/SYSLOG szerver: Linux</a:t>
+              <a:t>	- DNS/DHCP szerver: Linux</a:t>
             </a:r>
           </a:p>
           <a:p>
@@ -3888,7 +4274,7 @@
                 <a:latin typeface="Times New Roman" panose="02020603050405020304" pitchFamily="18" charset="0"/>
                 <a:cs typeface="Times New Roman" panose="02020603050405020304" pitchFamily="18" charset="0"/>
               </a:rPr>
-              <a:t>	- Tartalék FTP/TFTP/NTP/MAIL szerver: Windows</a:t>
+              <a:t>	- Tartalék FTP/TFTP/NTP/MAIL/SYSLOG  szerver: Windows</a:t>
             </a:r>
           </a:p>
           <a:p>
@@ -3897,7 +4283,7 @@
                 <a:latin typeface="Times New Roman" panose="02020603050405020304" pitchFamily="18" charset="0"/>
                 <a:cs typeface="Times New Roman" panose="02020603050405020304" pitchFamily="18" charset="0"/>
               </a:rPr>
-              <a:t>	- Tartalék DNS/DHCP/SYSLOG szerver: Linux</a:t>
+              <a:t>	- Tartalék DNS/DHCP szerver: Linux</a:t>
             </a:r>
           </a:p>
         </p:txBody>
@@ -6685,6 +7071,314 @@
   <p:transition spd="slow">
     <p:cover/>
   </p:transition>
+  <p:timing>
+    <p:tnLst>
+      <p:par>
+        <p:cTn id="1" dur="indefinite" restart="never" nodeType="tmRoot">
+          <p:childTnLst>
+            <p:seq concurrent="1" nextAc="seek">
+              <p:cTn id="2" dur="indefinite" nodeType="mainSeq">
+                <p:childTnLst>
+                  <p:par>
+                    <p:cTn id="3" fill="hold">
+                      <p:stCondLst>
+                        <p:cond delay="indefinite"/>
+                        <p:cond evt="onBegin" delay="0">
+                          <p:tn val="2"/>
+                        </p:cond>
+                      </p:stCondLst>
+                      <p:childTnLst>
+                        <p:par>
+                          <p:cTn id="4" fill="hold">
+                            <p:stCondLst>
+                              <p:cond delay="0"/>
+                            </p:stCondLst>
+                            <p:childTnLst>
+                              <p:par>
+                                <p:cTn id="5" presetID="47" presetClass="entr" presetSubtype="0" fill="hold" grpId="0" nodeType="afterEffect">
+                                  <p:stCondLst>
+                                    <p:cond delay="0"/>
+                                  </p:stCondLst>
+                                  <p:childTnLst>
+                                    <p:set>
+                                      <p:cBhvr>
+                                        <p:cTn id="6" dur="1" fill="hold">
+                                          <p:stCondLst>
+                                            <p:cond delay="0"/>
+                                          </p:stCondLst>
+                                        </p:cTn>
+                                        <p:tgtEl>
+                                          <p:spTgt spid="4"/>
+                                        </p:tgtEl>
+                                        <p:attrNameLst>
+                                          <p:attrName>style.visibility</p:attrName>
+                                        </p:attrNameLst>
+                                      </p:cBhvr>
+                                      <p:to>
+                                        <p:strVal val="visible"/>
+                                      </p:to>
+                                    </p:set>
+                                    <p:animEffect transition="in" filter="fade">
+                                      <p:cBhvr>
+                                        <p:cTn id="7" dur="1000"/>
+                                        <p:tgtEl>
+                                          <p:spTgt spid="4"/>
+                                        </p:tgtEl>
+                                      </p:cBhvr>
+                                    </p:animEffect>
+                                    <p:anim calcmode="lin" valueType="num">
+                                      <p:cBhvr>
+                                        <p:cTn id="8" dur="1000" fill="hold"/>
+                                        <p:tgtEl>
+                                          <p:spTgt spid="4"/>
+                                        </p:tgtEl>
+                                        <p:attrNameLst>
+                                          <p:attrName>ppt_x</p:attrName>
+                                        </p:attrNameLst>
+                                      </p:cBhvr>
+                                      <p:tavLst>
+                                        <p:tav tm="0">
+                                          <p:val>
+                                            <p:strVal val="#ppt_x"/>
+                                          </p:val>
+                                        </p:tav>
+                                        <p:tav tm="100000">
+                                          <p:val>
+                                            <p:strVal val="#ppt_x"/>
+                                          </p:val>
+                                        </p:tav>
+                                      </p:tavLst>
+                                    </p:anim>
+                                    <p:anim calcmode="lin" valueType="num">
+                                      <p:cBhvr>
+                                        <p:cTn id="9" dur="1000" fill="hold"/>
+                                        <p:tgtEl>
+                                          <p:spTgt spid="4"/>
+                                        </p:tgtEl>
+                                        <p:attrNameLst>
+                                          <p:attrName>ppt_y</p:attrName>
+                                        </p:attrNameLst>
+                                      </p:cBhvr>
+                                      <p:tavLst>
+                                        <p:tav tm="0">
+                                          <p:val>
+                                            <p:strVal val="#ppt_y-.1"/>
+                                          </p:val>
+                                        </p:tav>
+                                        <p:tav tm="100000">
+                                          <p:val>
+                                            <p:strVal val="#ppt_y"/>
+                                          </p:val>
+                                        </p:tav>
+                                      </p:tavLst>
+                                    </p:anim>
+                                  </p:childTnLst>
+                                </p:cTn>
+                              </p:par>
+                            </p:childTnLst>
+                          </p:cTn>
+                        </p:par>
+                        <p:par>
+                          <p:cTn id="10" fill="hold">
+                            <p:stCondLst>
+                              <p:cond delay="1000"/>
+                            </p:stCondLst>
+                            <p:childTnLst>
+                              <p:par>
+                                <p:cTn id="11" presetID="42" presetClass="entr" presetSubtype="0" fill="hold" grpId="0" nodeType="afterEffect">
+                                  <p:stCondLst>
+                                    <p:cond delay="0"/>
+                                  </p:stCondLst>
+                                  <p:childTnLst>
+                                    <p:set>
+                                      <p:cBhvr>
+                                        <p:cTn id="12" dur="1" fill="hold">
+                                          <p:stCondLst>
+                                            <p:cond delay="0"/>
+                                          </p:stCondLst>
+                                        </p:cTn>
+                                        <p:tgtEl>
+                                          <p:spTgt spid="5"/>
+                                        </p:tgtEl>
+                                        <p:attrNameLst>
+                                          <p:attrName>style.visibility</p:attrName>
+                                        </p:attrNameLst>
+                                      </p:cBhvr>
+                                      <p:to>
+                                        <p:strVal val="visible"/>
+                                      </p:to>
+                                    </p:set>
+                                    <p:animEffect transition="in" filter="fade">
+                                      <p:cBhvr>
+                                        <p:cTn id="13" dur="1000"/>
+                                        <p:tgtEl>
+                                          <p:spTgt spid="5"/>
+                                        </p:tgtEl>
+                                      </p:cBhvr>
+                                    </p:animEffect>
+                                    <p:anim calcmode="lin" valueType="num">
+                                      <p:cBhvr>
+                                        <p:cTn id="14" dur="1000" fill="hold"/>
+                                        <p:tgtEl>
+                                          <p:spTgt spid="5"/>
+                                        </p:tgtEl>
+                                        <p:attrNameLst>
+                                          <p:attrName>ppt_x</p:attrName>
+                                        </p:attrNameLst>
+                                      </p:cBhvr>
+                                      <p:tavLst>
+                                        <p:tav tm="0">
+                                          <p:val>
+                                            <p:strVal val="#ppt_x"/>
+                                          </p:val>
+                                        </p:tav>
+                                        <p:tav tm="100000">
+                                          <p:val>
+                                            <p:strVal val="#ppt_x"/>
+                                          </p:val>
+                                        </p:tav>
+                                      </p:tavLst>
+                                    </p:anim>
+                                    <p:anim calcmode="lin" valueType="num">
+                                      <p:cBhvr>
+                                        <p:cTn id="15" dur="1000" fill="hold"/>
+                                        <p:tgtEl>
+                                          <p:spTgt spid="5"/>
+                                        </p:tgtEl>
+                                        <p:attrNameLst>
+                                          <p:attrName>ppt_y</p:attrName>
+                                        </p:attrNameLst>
+                                      </p:cBhvr>
+                                      <p:tavLst>
+                                        <p:tav tm="0">
+                                          <p:val>
+                                            <p:strVal val="#ppt_y+.1"/>
+                                          </p:val>
+                                        </p:tav>
+                                        <p:tav tm="100000">
+                                          <p:val>
+                                            <p:strVal val="#ppt_y"/>
+                                          </p:val>
+                                        </p:tav>
+                                      </p:tavLst>
+                                    </p:anim>
+                                  </p:childTnLst>
+                                </p:cTn>
+                              </p:par>
+                            </p:childTnLst>
+                          </p:cTn>
+                        </p:par>
+                        <p:par>
+                          <p:cTn id="16" fill="hold">
+                            <p:stCondLst>
+                              <p:cond delay="2000"/>
+                            </p:stCondLst>
+                            <p:childTnLst>
+                              <p:par>
+                                <p:cTn id="17" presetID="2" presetClass="entr" presetSubtype="2" fill="hold" nodeType="afterEffect">
+                                  <p:stCondLst>
+                                    <p:cond delay="0"/>
+                                  </p:stCondLst>
+                                  <p:childTnLst>
+                                    <p:set>
+                                      <p:cBhvr>
+                                        <p:cTn id="18" dur="1" fill="hold">
+                                          <p:stCondLst>
+                                            <p:cond delay="0"/>
+                                          </p:stCondLst>
+                                        </p:cTn>
+                                        <p:tgtEl>
+                                          <p:spTgt spid="3"/>
+                                        </p:tgtEl>
+                                        <p:attrNameLst>
+                                          <p:attrName>style.visibility</p:attrName>
+                                        </p:attrNameLst>
+                                      </p:cBhvr>
+                                      <p:to>
+                                        <p:strVal val="visible"/>
+                                      </p:to>
+                                    </p:set>
+                                    <p:anim calcmode="lin" valueType="num">
+                                      <p:cBhvr additive="base">
+                                        <p:cTn id="19" dur="1000" fill="hold"/>
+                                        <p:tgtEl>
+                                          <p:spTgt spid="3"/>
+                                        </p:tgtEl>
+                                        <p:attrNameLst>
+                                          <p:attrName>ppt_x</p:attrName>
+                                        </p:attrNameLst>
+                                      </p:cBhvr>
+                                      <p:tavLst>
+                                        <p:tav tm="0">
+                                          <p:val>
+                                            <p:strVal val="1+#ppt_w/2"/>
+                                          </p:val>
+                                        </p:tav>
+                                        <p:tav tm="100000">
+                                          <p:val>
+                                            <p:strVal val="#ppt_x"/>
+                                          </p:val>
+                                        </p:tav>
+                                      </p:tavLst>
+                                    </p:anim>
+                                    <p:anim calcmode="lin" valueType="num">
+                                      <p:cBhvr additive="base">
+                                        <p:cTn id="20" dur="1000" fill="hold"/>
+                                        <p:tgtEl>
+                                          <p:spTgt spid="3"/>
+                                        </p:tgtEl>
+                                        <p:attrNameLst>
+                                          <p:attrName>ppt_y</p:attrName>
+                                        </p:attrNameLst>
+                                      </p:cBhvr>
+                                      <p:tavLst>
+                                        <p:tav tm="0">
+                                          <p:val>
+                                            <p:strVal val="#ppt_y"/>
+                                          </p:val>
+                                        </p:tav>
+                                        <p:tav tm="100000">
+                                          <p:val>
+                                            <p:strVal val="#ppt_y"/>
+                                          </p:val>
+                                        </p:tav>
+                                      </p:tavLst>
+                                    </p:anim>
+                                  </p:childTnLst>
+                                </p:cTn>
+                              </p:par>
+                            </p:childTnLst>
+                          </p:cTn>
+                        </p:par>
+                      </p:childTnLst>
+                    </p:cTn>
+                  </p:par>
+                </p:childTnLst>
+              </p:cTn>
+              <p:prevCondLst>
+                <p:cond evt="onPrev" delay="0">
+                  <p:tgtEl>
+                    <p:sldTgt/>
+                  </p:tgtEl>
+                </p:cond>
+              </p:prevCondLst>
+              <p:nextCondLst>
+                <p:cond evt="onNext" delay="0">
+                  <p:tgtEl>
+                    <p:sldTgt/>
+                  </p:tgtEl>
+                </p:cond>
+              </p:nextCondLst>
+            </p:seq>
+          </p:childTnLst>
+        </p:cTn>
+      </p:par>
+    </p:tnLst>
+    <p:bldLst>
+      <p:bldP spid="4" grpId="0"/>
+      <p:bldP spid="5" grpId="0"/>
+    </p:bldLst>
+  </p:timing>
 </p:sld>
 </file>
 
@@ -6880,6 +7574,322 @@
   <p:transition spd="slow">
     <p:cover/>
   </p:transition>
+  <p:timing>
+    <p:tnLst>
+      <p:par>
+        <p:cTn id="1" dur="indefinite" restart="never" nodeType="tmRoot">
+          <p:childTnLst>
+            <p:seq concurrent="1" nextAc="seek">
+              <p:cTn id="2" dur="indefinite" nodeType="mainSeq">
+                <p:childTnLst>
+                  <p:par>
+                    <p:cTn id="3" fill="hold">
+                      <p:stCondLst>
+                        <p:cond delay="indefinite"/>
+                        <p:cond evt="onBegin" delay="0">
+                          <p:tn val="2"/>
+                        </p:cond>
+                      </p:stCondLst>
+                      <p:childTnLst>
+                        <p:par>
+                          <p:cTn id="4" fill="hold">
+                            <p:stCondLst>
+                              <p:cond delay="0"/>
+                            </p:stCondLst>
+                            <p:childTnLst>
+                              <p:par>
+                                <p:cTn id="5" presetID="42" presetClass="entr" presetSubtype="0" fill="hold" grpId="0" nodeType="afterEffect">
+                                  <p:stCondLst>
+                                    <p:cond delay="0"/>
+                                  </p:stCondLst>
+                                  <p:childTnLst>
+                                    <p:set>
+                                      <p:cBhvr>
+                                        <p:cTn id="6" dur="1" fill="hold">
+                                          <p:stCondLst>
+                                            <p:cond delay="0"/>
+                                          </p:stCondLst>
+                                        </p:cTn>
+                                        <p:tgtEl>
+                                          <p:spTgt spid="4"/>
+                                        </p:tgtEl>
+                                        <p:attrNameLst>
+                                          <p:attrName>style.visibility</p:attrName>
+                                        </p:attrNameLst>
+                                      </p:cBhvr>
+                                      <p:to>
+                                        <p:strVal val="visible"/>
+                                      </p:to>
+                                    </p:set>
+                                    <p:animEffect transition="in" filter="fade">
+                                      <p:cBhvr>
+                                        <p:cTn id="7" dur="1000"/>
+                                        <p:tgtEl>
+                                          <p:spTgt spid="4"/>
+                                        </p:tgtEl>
+                                      </p:cBhvr>
+                                    </p:animEffect>
+                                    <p:anim calcmode="lin" valueType="num">
+                                      <p:cBhvr>
+                                        <p:cTn id="8" dur="1000" fill="hold"/>
+                                        <p:tgtEl>
+                                          <p:spTgt spid="4"/>
+                                        </p:tgtEl>
+                                        <p:attrNameLst>
+                                          <p:attrName>ppt_x</p:attrName>
+                                        </p:attrNameLst>
+                                      </p:cBhvr>
+                                      <p:tavLst>
+                                        <p:tav tm="0">
+                                          <p:val>
+                                            <p:strVal val="#ppt_x"/>
+                                          </p:val>
+                                        </p:tav>
+                                        <p:tav tm="100000">
+                                          <p:val>
+                                            <p:strVal val="#ppt_x"/>
+                                          </p:val>
+                                        </p:tav>
+                                      </p:tavLst>
+                                    </p:anim>
+                                    <p:anim calcmode="lin" valueType="num">
+                                      <p:cBhvr>
+                                        <p:cTn id="9" dur="1000" fill="hold"/>
+                                        <p:tgtEl>
+                                          <p:spTgt spid="4"/>
+                                        </p:tgtEl>
+                                        <p:attrNameLst>
+                                          <p:attrName>ppt_y</p:attrName>
+                                        </p:attrNameLst>
+                                      </p:cBhvr>
+                                      <p:tavLst>
+                                        <p:tav tm="0">
+                                          <p:val>
+                                            <p:strVal val="#ppt_y+.1"/>
+                                          </p:val>
+                                        </p:tav>
+                                        <p:tav tm="100000">
+                                          <p:val>
+                                            <p:strVal val="#ppt_y"/>
+                                          </p:val>
+                                        </p:tav>
+                                      </p:tavLst>
+                                    </p:anim>
+                                  </p:childTnLst>
+                                </p:cTn>
+                              </p:par>
+                            </p:childTnLst>
+                          </p:cTn>
+                        </p:par>
+                        <p:par>
+                          <p:cTn id="10" fill="hold">
+                            <p:stCondLst>
+                              <p:cond delay="1000"/>
+                            </p:stCondLst>
+                            <p:childTnLst>
+                              <p:par>
+                                <p:cTn id="11" presetID="42" presetClass="entr" presetSubtype="0" fill="hold" grpId="0" nodeType="afterEffect">
+                                  <p:stCondLst>
+                                    <p:cond delay="0"/>
+                                  </p:stCondLst>
+                                  <p:childTnLst>
+                                    <p:set>
+                                      <p:cBhvr>
+                                        <p:cTn id="12" dur="1" fill="hold">
+                                          <p:stCondLst>
+                                            <p:cond delay="0"/>
+                                          </p:stCondLst>
+                                        </p:cTn>
+                                        <p:tgtEl>
+                                          <p:spTgt spid="5"/>
+                                        </p:tgtEl>
+                                        <p:attrNameLst>
+                                          <p:attrName>style.visibility</p:attrName>
+                                        </p:attrNameLst>
+                                      </p:cBhvr>
+                                      <p:to>
+                                        <p:strVal val="visible"/>
+                                      </p:to>
+                                    </p:set>
+                                    <p:animEffect transition="in" filter="fade">
+                                      <p:cBhvr>
+                                        <p:cTn id="13" dur="1000"/>
+                                        <p:tgtEl>
+                                          <p:spTgt spid="5"/>
+                                        </p:tgtEl>
+                                      </p:cBhvr>
+                                    </p:animEffect>
+                                    <p:anim calcmode="lin" valueType="num">
+                                      <p:cBhvr>
+                                        <p:cTn id="14" dur="1000" fill="hold"/>
+                                        <p:tgtEl>
+                                          <p:spTgt spid="5"/>
+                                        </p:tgtEl>
+                                        <p:attrNameLst>
+                                          <p:attrName>ppt_x</p:attrName>
+                                        </p:attrNameLst>
+                                      </p:cBhvr>
+                                      <p:tavLst>
+                                        <p:tav tm="0">
+                                          <p:val>
+                                            <p:strVal val="#ppt_x"/>
+                                          </p:val>
+                                        </p:tav>
+                                        <p:tav tm="100000">
+                                          <p:val>
+                                            <p:strVal val="#ppt_x"/>
+                                          </p:val>
+                                        </p:tav>
+                                      </p:tavLst>
+                                    </p:anim>
+                                    <p:anim calcmode="lin" valueType="num">
+                                      <p:cBhvr>
+                                        <p:cTn id="15" dur="1000" fill="hold"/>
+                                        <p:tgtEl>
+                                          <p:spTgt spid="5"/>
+                                        </p:tgtEl>
+                                        <p:attrNameLst>
+                                          <p:attrName>ppt_y</p:attrName>
+                                        </p:attrNameLst>
+                                      </p:cBhvr>
+                                      <p:tavLst>
+                                        <p:tav tm="0">
+                                          <p:val>
+                                            <p:strVal val="#ppt_y+.1"/>
+                                          </p:val>
+                                        </p:tav>
+                                        <p:tav tm="100000">
+                                          <p:val>
+                                            <p:strVal val="#ppt_y"/>
+                                          </p:val>
+                                        </p:tav>
+                                      </p:tavLst>
+                                    </p:anim>
+                                  </p:childTnLst>
+                                </p:cTn>
+                              </p:par>
+                            </p:childTnLst>
+                          </p:cTn>
+                        </p:par>
+                        <p:par>
+                          <p:cTn id="16" fill="hold">
+                            <p:stCondLst>
+                              <p:cond delay="2000"/>
+                            </p:stCondLst>
+                            <p:childTnLst>
+                              <p:par>
+                                <p:cTn id="17" presetID="42" presetClass="entr" presetSubtype="0" fill="hold" nodeType="afterEffect">
+                                  <p:stCondLst>
+                                    <p:cond delay="0"/>
+                                  </p:stCondLst>
+                                  <p:childTnLst>
+                                    <p:set>
+                                      <p:cBhvr>
+                                        <p:cTn id="18" dur="1" fill="hold">
+                                          <p:stCondLst>
+                                            <p:cond delay="0"/>
+                                          </p:stCondLst>
+                                        </p:cTn>
+                                        <p:tgtEl>
+                                          <p:spTgt spid="3"/>
+                                        </p:tgtEl>
+                                        <p:attrNameLst>
+                                          <p:attrName>style.visibility</p:attrName>
+                                        </p:attrNameLst>
+                                      </p:cBhvr>
+                                      <p:to>
+                                        <p:strVal val="visible"/>
+                                      </p:to>
+                                    </p:set>
+                                    <p:animEffect transition="in" filter="fade">
+                                      <p:cBhvr>
+                                        <p:cTn id="19" dur="1000"/>
+                                        <p:tgtEl>
+                                          <p:spTgt spid="3"/>
+                                        </p:tgtEl>
+                                      </p:cBhvr>
+                                    </p:animEffect>
+                                    <p:anim calcmode="lin" valueType="num">
+                                      <p:cBhvr>
+                                        <p:cTn id="20" dur="1000" fill="hold"/>
+                                        <p:tgtEl>
+                                          <p:spTgt spid="3"/>
+                                        </p:tgtEl>
+                                        <p:attrNameLst>
+                                          <p:attrName>ppt_x</p:attrName>
+                                        </p:attrNameLst>
+                                      </p:cBhvr>
+                                      <p:tavLst>
+                                        <p:tav tm="0">
+                                          <p:val>
+                                            <p:strVal val="#ppt_x"/>
+                                          </p:val>
+                                        </p:tav>
+                                        <p:tav tm="100000">
+                                          <p:val>
+                                            <p:strVal val="#ppt_x"/>
+                                          </p:val>
+                                        </p:tav>
+                                      </p:tavLst>
+                                    </p:anim>
+                                    <p:anim calcmode="lin" valueType="num">
+                                      <p:cBhvr>
+                                        <p:cTn id="21" dur="1000" fill="hold"/>
+                                        <p:tgtEl>
+                                          <p:spTgt spid="3"/>
+                                        </p:tgtEl>
+                                        <p:attrNameLst>
+                                          <p:attrName>ppt_y</p:attrName>
+                                        </p:attrNameLst>
+                                      </p:cBhvr>
+                                      <p:tavLst>
+                                        <p:tav tm="0">
+                                          <p:val>
+                                            <p:strVal val="#ppt_y+.1"/>
+                                          </p:val>
+                                        </p:tav>
+                                        <p:tav tm="100000">
+                                          <p:val>
+                                            <p:strVal val="#ppt_y"/>
+                                          </p:val>
+                                        </p:tav>
+                                      </p:tavLst>
+                                    </p:anim>
+                                  </p:childTnLst>
+                                </p:cTn>
+                              </p:par>
+                            </p:childTnLst>
+                          </p:cTn>
+                        </p:par>
+                      </p:childTnLst>
+                    </p:cTn>
+                  </p:par>
+                </p:childTnLst>
+              </p:cTn>
+              <p:prevCondLst>
+                <p:cond evt="onPrev" delay="0">
+                  <p:tgtEl>
+                    <p:sldTgt/>
+                  </p:tgtEl>
+                </p:cond>
+              </p:prevCondLst>
+              <p:nextCondLst>
+                <p:cond evt="onNext" delay="0">
+                  <p:tgtEl>
+                    <p:sldTgt/>
+                  </p:tgtEl>
+                </p:cond>
+              </p:nextCondLst>
+            </p:seq>
+          </p:childTnLst>
+        </p:cTn>
+      </p:par>
+    </p:tnLst>
+    <p:bldLst>
+      <p:bldP spid="4" grpId="0"/>
+      <p:bldP spid="5" grpId="0"/>
+    </p:bldLst>
+  </p:timing>
 </p:sld>
 </file>
 
@@ -7176,6 +8186,314 @@
   <p:transition spd="slow">
     <p:cover/>
   </p:transition>
+  <p:timing>
+    <p:tnLst>
+      <p:par>
+        <p:cTn id="1" dur="indefinite" restart="never" nodeType="tmRoot">
+          <p:childTnLst>
+            <p:seq concurrent="1" nextAc="seek">
+              <p:cTn id="2" dur="indefinite" nodeType="mainSeq">
+                <p:childTnLst>
+                  <p:par>
+                    <p:cTn id="3" fill="hold">
+                      <p:stCondLst>
+                        <p:cond delay="indefinite"/>
+                        <p:cond evt="onBegin" delay="0">
+                          <p:tn val="2"/>
+                        </p:cond>
+                      </p:stCondLst>
+                      <p:childTnLst>
+                        <p:par>
+                          <p:cTn id="4" fill="hold">
+                            <p:stCondLst>
+                              <p:cond delay="0"/>
+                            </p:stCondLst>
+                            <p:childTnLst>
+                              <p:par>
+                                <p:cTn id="5" presetID="47" presetClass="entr" presetSubtype="0" fill="hold" grpId="0" nodeType="afterEffect">
+                                  <p:stCondLst>
+                                    <p:cond delay="0"/>
+                                  </p:stCondLst>
+                                  <p:childTnLst>
+                                    <p:set>
+                                      <p:cBhvr>
+                                        <p:cTn id="6" dur="1" fill="hold">
+                                          <p:stCondLst>
+                                            <p:cond delay="0"/>
+                                          </p:stCondLst>
+                                        </p:cTn>
+                                        <p:tgtEl>
+                                          <p:spTgt spid="2"/>
+                                        </p:tgtEl>
+                                        <p:attrNameLst>
+                                          <p:attrName>style.visibility</p:attrName>
+                                        </p:attrNameLst>
+                                      </p:cBhvr>
+                                      <p:to>
+                                        <p:strVal val="visible"/>
+                                      </p:to>
+                                    </p:set>
+                                    <p:animEffect transition="in" filter="fade">
+                                      <p:cBhvr>
+                                        <p:cTn id="7" dur="1000"/>
+                                        <p:tgtEl>
+                                          <p:spTgt spid="2"/>
+                                        </p:tgtEl>
+                                      </p:cBhvr>
+                                    </p:animEffect>
+                                    <p:anim calcmode="lin" valueType="num">
+                                      <p:cBhvr>
+                                        <p:cTn id="8" dur="1000" fill="hold"/>
+                                        <p:tgtEl>
+                                          <p:spTgt spid="2"/>
+                                        </p:tgtEl>
+                                        <p:attrNameLst>
+                                          <p:attrName>ppt_x</p:attrName>
+                                        </p:attrNameLst>
+                                      </p:cBhvr>
+                                      <p:tavLst>
+                                        <p:tav tm="0">
+                                          <p:val>
+                                            <p:strVal val="#ppt_x"/>
+                                          </p:val>
+                                        </p:tav>
+                                        <p:tav tm="100000">
+                                          <p:val>
+                                            <p:strVal val="#ppt_x"/>
+                                          </p:val>
+                                        </p:tav>
+                                      </p:tavLst>
+                                    </p:anim>
+                                    <p:anim calcmode="lin" valueType="num">
+                                      <p:cBhvr>
+                                        <p:cTn id="9" dur="1000" fill="hold"/>
+                                        <p:tgtEl>
+                                          <p:spTgt spid="2"/>
+                                        </p:tgtEl>
+                                        <p:attrNameLst>
+                                          <p:attrName>ppt_y</p:attrName>
+                                        </p:attrNameLst>
+                                      </p:cBhvr>
+                                      <p:tavLst>
+                                        <p:tav tm="0">
+                                          <p:val>
+                                            <p:strVal val="#ppt_y-.1"/>
+                                          </p:val>
+                                        </p:tav>
+                                        <p:tav tm="100000">
+                                          <p:val>
+                                            <p:strVal val="#ppt_y"/>
+                                          </p:val>
+                                        </p:tav>
+                                      </p:tavLst>
+                                    </p:anim>
+                                  </p:childTnLst>
+                                </p:cTn>
+                              </p:par>
+                            </p:childTnLst>
+                          </p:cTn>
+                        </p:par>
+                        <p:par>
+                          <p:cTn id="10" fill="hold">
+                            <p:stCondLst>
+                              <p:cond delay="1000"/>
+                            </p:stCondLst>
+                            <p:childTnLst>
+                              <p:par>
+                                <p:cTn id="11" presetID="42" presetClass="entr" presetSubtype="0" fill="hold" grpId="0" nodeType="afterEffect">
+                                  <p:stCondLst>
+                                    <p:cond delay="0"/>
+                                  </p:stCondLst>
+                                  <p:childTnLst>
+                                    <p:set>
+                                      <p:cBhvr>
+                                        <p:cTn id="12" dur="1" fill="hold">
+                                          <p:stCondLst>
+                                            <p:cond delay="0"/>
+                                          </p:stCondLst>
+                                        </p:cTn>
+                                        <p:tgtEl>
+                                          <p:spTgt spid="3"/>
+                                        </p:tgtEl>
+                                        <p:attrNameLst>
+                                          <p:attrName>style.visibility</p:attrName>
+                                        </p:attrNameLst>
+                                      </p:cBhvr>
+                                      <p:to>
+                                        <p:strVal val="visible"/>
+                                      </p:to>
+                                    </p:set>
+                                    <p:animEffect transition="in" filter="fade">
+                                      <p:cBhvr>
+                                        <p:cTn id="13" dur="1000"/>
+                                        <p:tgtEl>
+                                          <p:spTgt spid="3"/>
+                                        </p:tgtEl>
+                                      </p:cBhvr>
+                                    </p:animEffect>
+                                    <p:anim calcmode="lin" valueType="num">
+                                      <p:cBhvr>
+                                        <p:cTn id="14" dur="1000" fill="hold"/>
+                                        <p:tgtEl>
+                                          <p:spTgt spid="3"/>
+                                        </p:tgtEl>
+                                        <p:attrNameLst>
+                                          <p:attrName>ppt_x</p:attrName>
+                                        </p:attrNameLst>
+                                      </p:cBhvr>
+                                      <p:tavLst>
+                                        <p:tav tm="0">
+                                          <p:val>
+                                            <p:strVal val="#ppt_x"/>
+                                          </p:val>
+                                        </p:tav>
+                                        <p:tav tm="100000">
+                                          <p:val>
+                                            <p:strVal val="#ppt_x"/>
+                                          </p:val>
+                                        </p:tav>
+                                      </p:tavLst>
+                                    </p:anim>
+                                    <p:anim calcmode="lin" valueType="num">
+                                      <p:cBhvr>
+                                        <p:cTn id="15" dur="1000" fill="hold"/>
+                                        <p:tgtEl>
+                                          <p:spTgt spid="3"/>
+                                        </p:tgtEl>
+                                        <p:attrNameLst>
+                                          <p:attrName>ppt_y</p:attrName>
+                                        </p:attrNameLst>
+                                      </p:cBhvr>
+                                      <p:tavLst>
+                                        <p:tav tm="0">
+                                          <p:val>
+                                            <p:strVal val="#ppt_y+.1"/>
+                                          </p:val>
+                                        </p:tav>
+                                        <p:tav tm="100000">
+                                          <p:val>
+                                            <p:strVal val="#ppt_y"/>
+                                          </p:val>
+                                        </p:tav>
+                                      </p:tavLst>
+                                    </p:anim>
+                                  </p:childTnLst>
+                                </p:cTn>
+                              </p:par>
+                            </p:childTnLst>
+                          </p:cTn>
+                        </p:par>
+                        <p:par>
+                          <p:cTn id="16" fill="hold">
+                            <p:stCondLst>
+                              <p:cond delay="2000"/>
+                            </p:stCondLst>
+                            <p:childTnLst>
+                              <p:par>
+                                <p:cTn id="17" presetID="2" presetClass="entr" presetSubtype="2" fill="hold" nodeType="afterEffect">
+                                  <p:stCondLst>
+                                    <p:cond delay="0"/>
+                                  </p:stCondLst>
+                                  <p:childTnLst>
+                                    <p:set>
+                                      <p:cBhvr>
+                                        <p:cTn id="18" dur="1" fill="hold">
+                                          <p:stCondLst>
+                                            <p:cond delay="0"/>
+                                          </p:stCondLst>
+                                        </p:cTn>
+                                        <p:tgtEl>
+                                          <p:spTgt spid="5"/>
+                                        </p:tgtEl>
+                                        <p:attrNameLst>
+                                          <p:attrName>style.visibility</p:attrName>
+                                        </p:attrNameLst>
+                                      </p:cBhvr>
+                                      <p:to>
+                                        <p:strVal val="visible"/>
+                                      </p:to>
+                                    </p:set>
+                                    <p:anim calcmode="lin" valueType="num">
+                                      <p:cBhvr additive="base">
+                                        <p:cTn id="19" dur="1000" fill="hold"/>
+                                        <p:tgtEl>
+                                          <p:spTgt spid="5"/>
+                                        </p:tgtEl>
+                                        <p:attrNameLst>
+                                          <p:attrName>ppt_x</p:attrName>
+                                        </p:attrNameLst>
+                                      </p:cBhvr>
+                                      <p:tavLst>
+                                        <p:tav tm="0">
+                                          <p:val>
+                                            <p:strVal val="1+#ppt_w/2"/>
+                                          </p:val>
+                                        </p:tav>
+                                        <p:tav tm="100000">
+                                          <p:val>
+                                            <p:strVal val="#ppt_x"/>
+                                          </p:val>
+                                        </p:tav>
+                                      </p:tavLst>
+                                    </p:anim>
+                                    <p:anim calcmode="lin" valueType="num">
+                                      <p:cBhvr additive="base">
+                                        <p:cTn id="20" dur="1000" fill="hold"/>
+                                        <p:tgtEl>
+                                          <p:spTgt spid="5"/>
+                                        </p:tgtEl>
+                                        <p:attrNameLst>
+                                          <p:attrName>ppt_y</p:attrName>
+                                        </p:attrNameLst>
+                                      </p:cBhvr>
+                                      <p:tavLst>
+                                        <p:tav tm="0">
+                                          <p:val>
+                                            <p:strVal val="#ppt_y"/>
+                                          </p:val>
+                                        </p:tav>
+                                        <p:tav tm="100000">
+                                          <p:val>
+                                            <p:strVal val="#ppt_y"/>
+                                          </p:val>
+                                        </p:tav>
+                                      </p:tavLst>
+                                    </p:anim>
+                                  </p:childTnLst>
+                                </p:cTn>
+                              </p:par>
+                            </p:childTnLst>
+                          </p:cTn>
+                        </p:par>
+                      </p:childTnLst>
+                    </p:cTn>
+                  </p:par>
+                </p:childTnLst>
+              </p:cTn>
+              <p:prevCondLst>
+                <p:cond evt="onPrev" delay="0">
+                  <p:tgtEl>
+                    <p:sldTgt/>
+                  </p:tgtEl>
+                </p:cond>
+              </p:prevCondLst>
+              <p:nextCondLst>
+                <p:cond evt="onNext" delay="0">
+                  <p:tgtEl>
+                    <p:sldTgt/>
+                  </p:tgtEl>
+                </p:cond>
+              </p:nextCondLst>
+            </p:seq>
+          </p:childTnLst>
+        </p:cTn>
+      </p:par>
+    </p:tnLst>
+    <p:bldLst>
+      <p:bldP spid="2" grpId="0"/>
+      <p:bldP spid="3" grpId="0"/>
+    </p:bldLst>
+  </p:timing>
 </p:sld>
 </file>
 
@@ -7380,6 +8698,314 @@
   <p:transition spd="slow">
     <p:cover/>
   </p:transition>
+  <p:timing>
+    <p:tnLst>
+      <p:par>
+        <p:cTn id="1" dur="indefinite" restart="never" nodeType="tmRoot">
+          <p:childTnLst>
+            <p:seq concurrent="1" nextAc="seek">
+              <p:cTn id="2" dur="indefinite" nodeType="mainSeq">
+                <p:childTnLst>
+                  <p:par>
+                    <p:cTn id="3" fill="hold">
+                      <p:stCondLst>
+                        <p:cond delay="indefinite"/>
+                        <p:cond evt="onBegin" delay="0">
+                          <p:tn val="2"/>
+                        </p:cond>
+                      </p:stCondLst>
+                      <p:childTnLst>
+                        <p:par>
+                          <p:cTn id="4" fill="hold">
+                            <p:stCondLst>
+                              <p:cond delay="0"/>
+                            </p:stCondLst>
+                            <p:childTnLst>
+                              <p:par>
+                                <p:cTn id="5" presetID="47" presetClass="entr" presetSubtype="0" fill="hold" grpId="0" nodeType="afterEffect">
+                                  <p:stCondLst>
+                                    <p:cond delay="0"/>
+                                  </p:stCondLst>
+                                  <p:childTnLst>
+                                    <p:set>
+                                      <p:cBhvr>
+                                        <p:cTn id="6" dur="1" fill="hold">
+                                          <p:stCondLst>
+                                            <p:cond delay="0"/>
+                                          </p:stCondLst>
+                                        </p:cTn>
+                                        <p:tgtEl>
+                                          <p:spTgt spid="4"/>
+                                        </p:tgtEl>
+                                        <p:attrNameLst>
+                                          <p:attrName>style.visibility</p:attrName>
+                                        </p:attrNameLst>
+                                      </p:cBhvr>
+                                      <p:to>
+                                        <p:strVal val="visible"/>
+                                      </p:to>
+                                    </p:set>
+                                    <p:animEffect transition="in" filter="fade">
+                                      <p:cBhvr>
+                                        <p:cTn id="7" dur="1000"/>
+                                        <p:tgtEl>
+                                          <p:spTgt spid="4"/>
+                                        </p:tgtEl>
+                                      </p:cBhvr>
+                                    </p:animEffect>
+                                    <p:anim calcmode="lin" valueType="num">
+                                      <p:cBhvr>
+                                        <p:cTn id="8" dur="1000" fill="hold"/>
+                                        <p:tgtEl>
+                                          <p:spTgt spid="4"/>
+                                        </p:tgtEl>
+                                        <p:attrNameLst>
+                                          <p:attrName>ppt_x</p:attrName>
+                                        </p:attrNameLst>
+                                      </p:cBhvr>
+                                      <p:tavLst>
+                                        <p:tav tm="0">
+                                          <p:val>
+                                            <p:strVal val="#ppt_x"/>
+                                          </p:val>
+                                        </p:tav>
+                                        <p:tav tm="100000">
+                                          <p:val>
+                                            <p:strVal val="#ppt_x"/>
+                                          </p:val>
+                                        </p:tav>
+                                      </p:tavLst>
+                                    </p:anim>
+                                    <p:anim calcmode="lin" valueType="num">
+                                      <p:cBhvr>
+                                        <p:cTn id="9" dur="1000" fill="hold"/>
+                                        <p:tgtEl>
+                                          <p:spTgt spid="4"/>
+                                        </p:tgtEl>
+                                        <p:attrNameLst>
+                                          <p:attrName>ppt_y</p:attrName>
+                                        </p:attrNameLst>
+                                      </p:cBhvr>
+                                      <p:tavLst>
+                                        <p:tav tm="0">
+                                          <p:val>
+                                            <p:strVal val="#ppt_y-.1"/>
+                                          </p:val>
+                                        </p:tav>
+                                        <p:tav tm="100000">
+                                          <p:val>
+                                            <p:strVal val="#ppt_y"/>
+                                          </p:val>
+                                        </p:tav>
+                                      </p:tavLst>
+                                    </p:anim>
+                                  </p:childTnLst>
+                                </p:cTn>
+                              </p:par>
+                            </p:childTnLst>
+                          </p:cTn>
+                        </p:par>
+                        <p:par>
+                          <p:cTn id="10" fill="hold">
+                            <p:stCondLst>
+                              <p:cond delay="1000"/>
+                            </p:stCondLst>
+                            <p:childTnLst>
+                              <p:par>
+                                <p:cTn id="11" presetID="42" presetClass="entr" presetSubtype="0" fill="hold" grpId="0" nodeType="afterEffect">
+                                  <p:stCondLst>
+                                    <p:cond delay="0"/>
+                                  </p:stCondLst>
+                                  <p:childTnLst>
+                                    <p:set>
+                                      <p:cBhvr>
+                                        <p:cTn id="12" dur="1" fill="hold">
+                                          <p:stCondLst>
+                                            <p:cond delay="0"/>
+                                          </p:stCondLst>
+                                        </p:cTn>
+                                        <p:tgtEl>
+                                          <p:spTgt spid="5"/>
+                                        </p:tgtEl>
+                                        <p:attrNameLst>
+                                          <p:attrName>style.visibility</p:attrName>
+                                        </p:attrNameLst>
+                                      </p:cBhvr>
+                                      <p:to>
+                                        <p:strVal val="visible"/>
+                                      </p:to>
+                                    </p:set>
+                                    <p:animEffect transition="in" filter="fade">
+                                      <p:cBhvr>
+                                        <p:cTn id="13" dur="1000"/>
+                                        <p:tgtEl>
+                                          <p:spTgt spid="5"/>
+                                        </p:tgtEl>
+                                      </p:cBhvr>
+                                    </p:animEffect>
+                                    <p:anim calcmode="lin" valueType="num">
+                                      <p:cBhvr>
+                                        <p:cTn id="14" dur="1000" fill="hold"/>
+                                        <p:tgtEl>
+                                          <p:spTgt spid="5"/>
+                                        </p:tgtEl>
+                                        <p:attrNameLst>
+                                          <p:attrName>ppt_x</p:attrName>
+                                        </p:attrNameLst>
+                                      </p:cBhvr>
+                                      <p:tavLst>
+                                        <p:tav tm="0">
+                                          <p:val>
+                                            <p:strVal val="#ppt_x"/>
+                                          </p:val>
+                                        </p:tav>
+                                        <p:tav tm="100000">
+                                          <p:val>
+                                            <p:strVal val="#ppt_x"/>
+                                          </p:val>
+                                        </p:tav>
+                                      </p:tavLst>
+                                    </p:anim>
+                                    <p:anim calcmode="lin" valueType="num">
+                                      <p:cBhvr>
+                                        <p:cTn id="15" dur="1000" fill="hold"/>
+                                        <p:tgtEl>
+                                          <p:spTgt spid="5"/>
+                                        </p:tgtEl>
+                                        <p:attrNameLst>
+                                          <p:attrName>ppt_y</p:attrName>
+                                        </p:attrNameLst>
+                                      </p:cBhvr>
+                                      <p:tavLst>
+                                        <p:tav tm="0">
+                                          <p:val>
+                                            <p:strVal val="#ppt_y+.1"/>
+                                          </p:val>
+                                        </p:tav>
+                                        <p:tav tm="100000">
+                                          <p:val>
+                                            <p:strVal val="#ppt_y"/>
+                                          </p:val>
+                                        </p:tav>
+                                      </p:tavLst>
+                                    </p:anim>
+                                  </p:childTnLst>
+                                </p:cTn>
+                              </p:par>
+                            </p:childTnLst>
+                          </p:cTn>
+                        </p:par>
+                        <p:par>
+                          <p:cTn id="16" fill="hold">
+                            <p:stCondLst>
+                              <p:cond delay="2000"/>
+                            </p:stCondLst>
+                            <p:childTnLst>
+                              <p:par>
+                                <p:cTn id="17" presetID="2" presetClass="entr" presetSubtype="2" fill="hold" nodeType="afterEffect">
+                                  <p:stCondLst>
+                                    <p:cond delay="0"/>
+                                  </p:stCondLst>
+                                  <p:childTnLst>
+                                    <p:set>
+                                      <p:cBhvr>
+                                        <p:cTn id="18" dur="1" fill="hold">
+                                          <p:stCondLst>
+                                            <p:cond delay="0"/>
+                                          </p:stCondLst>
+                                        </p:cTn>
+                                        <p:tgtEl>
+                                          <p:spTgt spid="3"/>
+                                        </p:tgtEl>
+                                        <p:attrNameLst>
+                                          <p:attrName>style.visibility</p:attrName>
+                                        </p:attrNameLst>
+                                      </p:cBhvr>
+                                      <p:to>
+                                        <p:strVal val="visible"/>
+                                      </p:to>
+                                    </p:set>
+                                    <p:anim calcmode="lin" valueType="num">
+                                      <p:cBhvr additive="base">
+                                        <p:cTn id="19" dur="1000" fill="hold"/>
+                                        <p:tgtEl>
+                                          <p:spTgt spid="3"/>
+                                        </p:tgtEl>
+                                        <p:attrNameLst>
+                                          <p:attrName>ppt_x</p:attrName>
+                                        </p:attrNameLst>
+                                      </p:cBhvr>
+                                      <p:tavLst>
+                                        <p:tav tm="0">
+                                          <p:val>
+                                            <p:strVal val="1+#ppt_w/2"/>
+                                          </p:val>
+                                        </p:tav>
+                                        <p:tav tm="100000">
+                                          <p:val>
+                                            <p:strVal val="#ppt_x"/>
+                                          </p:val>
+                                        </p:tav>
+                                      </p:tavLst>
+                                    </p:anim>
+                                    <p:anim calcmode="lin" valueType="num">
+                                      <p:cBhvr additive="base">
+                                        <p:cTn id="20" dur="1000" fill="hold"/>
+                                        <p:tgtEl>
+                                          <p:spTgt spid="3"/>
+                                        </p:tgtEl>
+                                        <p:attrNameLst>
+                                          <p:attrName>ppt_y</p:attrName>
+                                        </p:attrNameLst>
+                                      </p:cBhvr>
+                                      <p:tavLst>
+                                        <p:tav tm="0">
+                                          <p:val>
+                                            <p:strVal val="#ppt_y"/>
+                                          </p:val>
+                                        </p:tav>
+                                        <p:tav tm="100000">
+                                          <p:val>
+                                            <p:strVal val="#ppt_y"/>
+                                          </p:val>
+                                        </p:tav>
+                                      </p:tavLst>
+                                    </p:anim>
+                                  </p:childTnLst>
+                                </p:cTn>
+                              </p:par>
+                            </p:childTnLst>
+                          </p:cTn>
+                        </p:par>
+                      </p:childTnLst>
+                    </p:cTn>
+                  </p:par>
+                </p:childTnLst>
+              </p:cTn>
+              <p:prevCondLst>
+                <p:cond evt="onPrev" delay="0">
+                  <p:tgtEl>
+                    <p:sldTgt/>
+                  </p:tgtEl>
+                </p:cond>
+              </p:prevCondLst>
+              <p:nextCondLst>
+                <p:cond evt="onNext" delay="0">
+                  <p:tgtEl>
+                    <p:sldTgt/>
+                  </p:tgtEl>
+                </p:cond>
+              </p:nextCondLst>
+            </p:seq>
+          </p:childTnLst>
+        </p:cTn>
+      </p:par>
+    </p:tnLst>
+    <p:bldLst>
+      <p:bldP spid="4" grpId="0"/>
+      <p:bldP spid="5" grpId="0"/>
+    </p:bldLst>
+  </p:timing>
 </p:sld>
 </file>
 

--- a/Szerver bemutató.pptx
+++ b/Szerver bemutató.pptx
@@ -15,6 +15,7 @@
     <p:sldId id="269" r:id="rId9"/>
     <p:sldId id="270" r:id="rId10"/>
     <p:sldId id="272" r:id="rId11"/>
+    <p:sldId id="273" r:id="rId12"/>
   </p:sldIdLst>
   <p:sldSz cx="12192000" cy="6858000"/>
   <p:notesSz cx="6858000" cy="9144000"/>
@@ -268,7 +269,7 @@
           <a:p>
             <a:fld id="{85FFA427-5F6C-44C9-B7B6-3BC8A07E0E0E}" type="datetimeFigureOut">
               <a:rPr lang="hu-HU" smtClean="0"/>
-              <a:t>2022. 01. 16.</a:t>
+              <a:t>2022. 01. 17.</a:t>
             </a:fld>
             <a:endParaRPr lang="hu-HU"/>
           </a:p>
@@ -469,7 +470,7 @@
           <a:p>
             <a:fld id="{85FFA427-5F6C-44C9-B7B6-3BC8A07E0E0E}" type="datetimeFigureOut">
               <a:rPr lang="hu-HU" smtClean="0"/>
-              <a:t>2022. 01. 16.</a:t>
+              <a:t>2022. 01. 17.</a:t>
             </a:fld>
             <a:endParaRPr lang="hu-HU"/>
           </a:p>
@@ -680,7 +681,7 @@
           <a:p>
             <a:fld id="{85FFA427-5F6C-44C9-B7B6-3BC8A07E0E0E}" type="datetimeFigureOut">
               <a:rPr lang="hu-HU" smtClean="0"/>
-              <a:t>2022. 01. 16.</a:t>
+              <a:t>2022. 01. 17.</a:t>
             </a:fld>
             <a:endParaRPr lang="hu-HU"/>
           </a:p>
@@ -881,7 +882,7 @@
           <a:p>
             <a:fld id="{85FFA427-5F6C-44C9-B7B6-3BC8A07E0E0E}" type="datetimeFigureOut">
               <a:rPr lang="hu-HU" smtClean="0"/>
-              <a:t>2022. 01. 16.</a:t>
+              <a:t>2022. 01. 17.</a:t>
             </a:fld>
             <a:endParaRPr lang="hu-HU"/>
           </a:p>
@@ -1159,7 +1160,7 @@
           <a:p>
             <a:fld id="{85FFA427-5F6C-44C9-B7B6-3BC8A07E0E0E}" type="datetimeFigureOut">
               <a:rPr lang="hu-HU" smtClean="0"/>
-              <a:t>2022. 01. 16.</a:t>
+              <a:t>2022. 01. 17.</a:t>
             </a:fld>
             <a:endParaRPr lang="hu-HU"/>
           </a:p>
@@ -1427,7 +1428,7 @@
           <a:p>
             <a:fld id="{85FFA427-5F6C-44C9-B7B6-3BC8A07E0E0E}" type="datetimeFigureOut">
               <a:rPr lang="hu-HU" smtClean="0"/>
-              <a:t>2022. 01. 16.</a:t>
+              <a:t>2022. 01. 17.</a:t>
             </a:fld>
             <a:endParaRPr lang="hu-HU"/>
           </a:p>
@@ -1842,7 +1843,7 @@
           <a:p>
             <a:fld id="{85FFA427-5F6C-44C9-B7B6-3BC8A07E0E0E}" type="datetimeFigureOut">
               <a:rPr lang="hu-HU" smtClean="0"/>
-              <a:t>2022. 01. 16.</a:t>
+              <a:t>2022. 01. 17.</a:t>
             </a:fld>
             <a:endParaRPr lang="hu-HU"/>
           </a:p>
@@ -1986,7 +1987,7 @@
           <a:p>
             <a:fld id="{85FFA427-5F6C-44C9-B7B6-3BC8A07E0E0E}" type="datetimeFigureOut">
               <a:rPr lang="hu-HU" smtClean="0"/>
-              <a:t>2022. 01. 16.</a:t>
+              <a:t>2022. 01. 17.</a:t>
             </a:fld>
             <a:endParaRPr lang="hu-HU"/>
           </a:p>
@@ -2102,7 +2103,7 @@
           <a:p>
             <a:fld id="{85FFA427-5F6C-44C9-B7B6-3BC8A07E0E0E}" type="datetimeFigureOut">
               <a:rPr lang="hu-HU" smtClean="0"/>
-              <a:t>2022. 01. 16.</a:t>
+              <a:t>2022. 01. 17.</a:t>
             </a:fld>
             <a:endParaRPr lang="hu-HU"/>
           </a:p>
@@ -2416,7 +2417,7 @@
           <a:p>
             <a:fld id="{85FFA427-5F6C-44C9-B7B6-3BC8A07E0E0E}" type="datetimeFigureOut">
               <a:rPr lang="hu-HU" smtClean="0"/>
-              <a:t>2022. 01. 16.</a:t>
+              <a:t>2022. 01. 17.</a:t>
             </a:fld>
             <a:endParaRPr lang="hu-HU"/>
           </a:p>
@@ -2707,7 +2708,7 @@
           <a:p>
             <a:fld id="{85FFA427-5F6C-44C9-B7B6-3BC8A07E0E0E}" type="datetimeFigureOut">
               <a:rPr lang="hu-HU" smtClean="0"/>
-              <a:t>2022. 01. 16.</a:t>
+              <a:t>2022. 01. 17.</a:t>
             </a:fld>
             <a:endParaRPr lang="hu-HU"/>
           </a:p>
@@ -2951,7 +2952,7 @@
           <a:p>
             <a:fld id="{85FFA427-5F6C-44C9-B7B6-3BC8A07E0E0E}" type="datetimeFigureOut">
               <a:rPr lang="hu-HU" smtClean="0"/>
-              <a:t>2022. 01. 16.</a:t>
+              <a:t>2022. 01. 17.</a:t>
             </a:fld>
             <a:endParaRPr lang="hu-HU"/>
           </a:p>
@@ -4575,6 +4576,599 @@
 </p:sld>
 </file>
 
+<file path=ppt/slides/slide11.xml><?xml version="1.0" encoding="utf-8"?>
+<p:sld xmlns:a="http://schemas.openxmlformats.org/drawingml/2006/main" xmlns:r="http://schemas.openxmlformats.org/officeDocument/2006/relationships" xmlns:p="http://schemas.openxmlformats.org/presentationml/2006/main">
+  <p:cSld>
+    <p:bg>
+      <p:bgPr>
+        <a:solidFill>
+          <a:schemeClr val="bg1"/>
+        </a:solidFill>
+        <a:effectLst/>
+      </p:bgPr>
+    </p:bg>
+    <p:spTree>
+      <p:nvGrpSpPr>
+        <p:cNvPr id="1" name=""/>
+        <p:cNvGrpSpPr/>
+        <p:nvPr/>
+      </p:nvGrpSpPr>
+      <p:grpSpPr>
+        <a:xfrm>
+          <a:off x="0" y="0"/>
+          <a:ext cx="0" cy="0"/>
+          <a:chOff x="0" y="0"/>
+          <a:chExt cx="0" cy="0"/>
+        </a:xfrm>
+      </p:grpSpPr>
+      <p:sp>
+        <p:nvSpPr>
+          <p:cNvPr id="2" name="Téglalap 1">
+            <a:extLst>
+              <a:ext uri="{FF2B5EF4-FFF2-40B4-BE49-F238E27FC236}">
+                <a16:creationId xmlns:a16="http://schemas.microsoft.com/office/drawing/2014/main" id="{35CE6CB7-052D-485C-B9A3-C950B4D8CFA8}"/>
+              </a:ext>
+            </a:extLst>
+          </p:cNvPr>
+          <p:cNvSpPr/>
+          <p:nvPr/>
+        </p:nvSpPr>
+        <p:spPr>
+          <a:xfrm>
+            <a:off x="1653363" y="365760"/>
+            <a:ext cx="9367203" cy="1188720"/>
+          </a:xfrm>
+          <a:prstGeom prst="rect">
+            <a:avLst/>
+          </a:prstGeom>
+        </p:spPr>
+        <p:txBody>
+          <a:bodyPr vert="horz" lIns="91440" tIns="45720" rIns="91440" bIns="45720" rtlCol="0" anchor="ctr">
+            <a:normAutofit/>
+          </a:bodyPr>
+          <a:lstStyle/>
+          <a:p>
+            <a:r>
+              <a:rPr lang="hu-HU" sz="4400" b="1" cap="none" spc="0" dirty="0">
+                <a:ln w="13462">
+                  <a:solidFill>
+                    <a:schemeClr val="bg1"/>
+                  </a:solidFill>
+                  <a:prstDash val="solid"/>
+                </a:ln>
+                <a:solidFill>
+                  <a:schemeClr val="tx1">
+                    <a:lumMod val="85000"/>
+                    <a:lumOff val="15000"/>
+                  </a:schemeClr>
+                </a:solidFill>
+                <a:effectLst>
+                  <a:outerShdw dist="38100" dir="2700000" algn="bl" rotWithShape="0">
+                    <a:schemeClr val="accent5"/>
+                  </a:outerShdw>
+                </a:effectLst>
+              </a:rPr>
+              <a:t>SYSLOG</a:t>
+            </a:r>
+          </a:p>
+        </p:txBody>
+      </p:sp>
+      <p:sp>
+        <p:nvSpPr>
+          <p:cNvPr id="8" name="Freeform: Shape 7">
+            <a:extLst>
+              <a:ext uri="{FF2B5EF4-FFF2-40B4-BE49-F238E27FC236}">
+                <a16:creationId xmlns:a16="http://schemas.microsoft.com/office/drawing/2014/main" id="{7CB4857B-ED7C-444D-9F04-2F885114A1C2}"/>
+              </a:ext>
+              <a:ext uri="{C183D7F6-B498-43B3-948B-1728B52AA6E4}">
+                <adec:decorative xmlns:adec="http://schemas.microsoft.com/office/drawing/2017/decorative" val="1"/>
+              </a:ext>
+            </a:extLst>
+          </p:cNvPr>
+          <p:cNvSpPr>
+            <a:spLocks noGrp="1" noRot="1" noChangeAspect="1" noMove="1" noResize="1" noEditPoints="1" noAdjustHandles="1" noChangeArrowheads="1" noChangeShapeType="1" noTextEdit="1"/>
+          </p:cNvSpPr>
+          <p:nvPr>
+            <p:extLst>
+              <p:ext uri="{386F3935-93C4-4BCD-93E2-E3B085C9AB24}">
+                <p16:designElem xmlns:p16="http://schemas.microsoft.com/office/powerpoint/2015/main" val="1"/>
+              </p:ext>
+            </p:extLst>
+          </p:nvPr>
+        </p:nvSpPr>
+        <p:spPr>
+          <a:xfrm>
+            <a:off x="1" y="0"/>
+            <a:ext cx="1764099" cy="1558212"/>
+          </a:xfrm>
+          <a:custGeom>
+            <a:avLst/>
+            <a:gdLst>
+              <a:gd name="connsiteX0" fmla="*/ 0 w 1764099"/>
+              <a:gd name="connsiteY0" fmla="*/ 0 h 1558212"/>
+              <a:gd name="connsiteX1" fmla="*/ 1764099 w 1764099"/>
+              <a:gd name="connsiteY1" fmla="*/ 0 h 1558212"/>
+              <a:gd name="connsiteX2" fmla="*/ 1042087 w 1764099"/>
+              <a:gd name="connsiteY2" fmla="*/ 1558212 h 1558212"/>
+              <a:gd name="connsiteX3" fmla="*/ 0 w 1764099"/>
+              <a:gd name="connsiteY3" fmla="*/ 1558212 h 1558212"/>
+            </a:gdLst>
+            <a:ahLst/>
+            <a:cxnLst>
+              <a:cxn ang="0">
+                <a:pos x="connsiteX0" y="connsiteY0"/>
+              </a:cxn>
+              <a:cxn ang="0">
+                <a:pos x="connsiteX1" y="connsiteY1"/>
+              </a:cxn>
+              <a:cxn ang="0">
+                <a:pos x="connsiteX2" y="connsiteY2"/>
+              </a:cxn>
+              <a:cxn ang="0">
+                <a:pos x="connsiteX3" y="connsiteY3"/>
+              </a:cxn>
+            </a:cxnLst>
+            <a:rect l="l" t="t" r="r" b="b"/>
+            <a:pathLst>
+              <a:path w="1764099" h="1558212">
+                <a:moveTo>
+                  <a:pt x="0" y="0"/>
+                </a:moveTo>
+                <a:lnTo>
+                  <a:pt x="1764099" y="0"/>
+                </a:lnTo>
+                <a:lnTo>
+                  <a:pt x="1042087" y="1558212"/>
+                </a:lnTo>
+                <a:lnTo>
+                  <a:pt x="0" y="1558212"/>
+                </a:lnTo>
+                <a:close/>
+              </a:path>
+            </a:pathLst>
+          </a:custGeom>
+          <a:solidFill>
+            <a:schemeClr val="accent4"/>
+          </a:solidFill>
+          <a:ln>
+            <a:noFill/>
+          </a:ln>
+        </p:spPr>
+        <p:style>
+          <a:lnRef idx="2">
+            <a:schemeClr val="accent1">
+              <a:shade val="50000"/>
+            </a:schemeClr>
+          </a:lnRef>
+          <a:fillRef idx="1">
+            <a:schemeClr val="accent1"/>
+          </a:fillRef>
+          <a:effectRef idx="0">
+            <a:schemeClr val="accent1"/>
+          </a:effectRef>
+          <a:fontRef idx="minor">
+            <a:schemeClr val="lt1"/>
+          </a:fontRef>
+        </p:style>
+        <p:txBody>
+          <a:bodyPr wrap="square" rtlCol="0" anchor="ctr">
+            <a:noAutofit/>
+          </a:bodyPr>
+          <a:lstStyle/>
+          <a:p>
+            <a:pPr algn="ctr"/>
+            <a:endParaRPr lang="en-US"/>
+          </a:p>
+        </p:txBody>
+      </p:sp>
+      <p:sp>
+        <p:nvSpPr>
+          <p:cNvPr id="10" name="Freeform: Shape 9">
+            <a:extLst>
+              <a:ext uri="{FF2B5EF4-FFF2-40B4-BE49-F238E27FC236}">
+                <a16:creationId xmlns:a16="http://schemas.microsoft.com/office/drawing/2014/main" id="{D18046FB-44EA-4FD8-A585-EA09A319B2D0}"/>
+              </a:ext>
+              <a:ext uri="{C183D7F6-B498-43B3-948B-1728B52AA6E4}">
+                <adec:decorative xmlns:adec="http://schemas.microsoft.com/office/drawing/2017/decorative" val="1"/>
+              </a:ext>
+            </a:extLst>
+          </p:cNvPr>
+          <p:cNvSpPr>
+            <a:spLocks noGrp="1" noRot="1" noChangeAspect="1" noMove="1" noResize="1" noEditPoints="1" noAdjustHandles="1" noChangeArrowheads="1" noChangeShapeType="1" noTextEdit="1"/>
+          </p:cNvSpPr>
+          <p:nvPr>
+            <p:extLst>
+              <p:ext uri="{386F3935-93C4-4BCD-93E2-E3B085C9AB24}">
+                <p16:designElem xmlns:p16="http://schemas.microsoft.com/office/powerpoint/2015/main" val="1"/>
+              </p:ext>
+            </p:extLst>
+          </p:nvPr>
+        </p:nvSpPr>
+        <p:spPr>
+          <a:xfrm>
+            <a:off x="1" y="1691640"/>
+            <a:ext cx="12191999" cy="5166360"/>
+          </a:xfrm>
+          <a:custGeom>
+            <a:avLst/>
+            <a:gdLst>
+              <a:gd name="connsiteX0" fmla="*/ 0 w 12191999"/>
+              <a:gd name="connsiteY0" fmla="*/ 0 h 5166360"/>
+              <a:gd name="connsiteX1" fmla="*/ 1822388 w 12191999"/>
+              <a:gd name="connsiteY1" fmla="*/ 0 h 5166360"/>
+              <a:gd name="connsiteX2" fmla="*/ 6468290 w 12191999"/>
+              <a:gd name="connsiteY2" fmla="*/ 0 h 5166360"/>
+              <a:gd name="connsiteX3" fmla="*/ 7796394 w 12191999"/>
+              <a:gd name="connsiteY3" fmla="*/ 0 h 5166360"/>
+              <a:gd name="connsiteX4" fmla="*/ 8376834 w 12191999"/>
+              <a:gd name="connsiteY4" fmla="*/ 0 h 5166360"/>
+              <a:gd name="connsiteX5" fmla="*/ 9704938 w 12191999"/>
+              <a:gd name="connsiteY5" fmla="*/ 0 h 5166360"/>
+              <a:gd name="connsiteX6" fmla="*/ 9704938 w 12191999"/>
+              <a:gd name="connsiteY6" fmla="*/ 2 h 5166360"/>
+              <a:gd name="connsiteX7" fmla="*/ 10283456 w 12191999"/>
+              <a:gd name="connsiteY7" fmla="*/ 2 h 5166360"/>
+              <a:gd name="connsiteX8" fmla="*/ 10863897 w 12191999"/>
+              <a:gd name="connsiteY8" fmla="*/ 2 h 5166360"/>
+              <a:gd name="connsiteX9" fmla="*/ 12191999 w 12191999"/>
+              <a:gd name="connsiteY9" fmla="*/ 2 h 5166360"/>
+              <a:gd name="connsiteX10" fmla="*/ 12191999 w 12191999"/>
+              <a:gd name="connsiteY10" fmla="*/ 5166360 h 5166360"/>
+              <a:gd name="connsiteX11" fmla="*/ 0 w 12191999"/>
+              <a:gd name="connsiteY11" fmla="*/ 5166360 h 5166360"/>
+              <a:gd name="connsiteX12" fmla="*/ 0 w 12191999"/>
+              <a:gd name="connsiteY12" fmla="*/ 2604436 h 5166360"/>
+              <a:gd name="connsiteX13" fmla="*/ 862341 w 12191999"/>
+              <a:gd name="connsiteY13" fmla="*/ 743371 h 5166360"/>
+              <a:gd name="connsiteX14" fmla="*/ 0 w 12191999"/>
+              <a:gd name="connsiteY14" fmla="*/ 743371 h 5166360"/>
+              <a:gd name="connsiteX15" fmla="*/ 0 w 12191999"/>
+              <a:gd name="connsiteY15" fmla="*/ 742508 h 5166360"/>
+              <a:gd name="connsiteX16" fmla="*/ 92826 w 12191999"/>
+              <a:gd name="connsiteY16" fmla="*/ 742508 h 5166360"/>
+              <a:gd name="connsiteX17" fmla="*/ 406486 w 12191999"/>
+              <a:gd name="connsiteY17" fmla="*/ 742508 h 5166360"/>
+              <a:gd name="connsiteX18" fmla="*/ 406486 w 12191999"/>
+              <a:gd name="connsiteY18" fmla="*/ 742507 h 5166360"/>
+              <a:gd name="connsiteX19" fmla="*/ 862741 w 12191999"/>
+              <a:gd name="connsiteY19" fmla="*/ 742507 h 5166360"/>
+              <a:gd name="connsiteX20" fmla="*/ 1206388 w 12191999"/>
+              <a:gd name="connsiteY20" fmla="*/ 864 h 5166360"/>
+              <a:gd name="connsiteX21" fmla="*/ 748500 w 12191999"/>
+              <a:gd name="connsiteY21" fmla="*/ 864 h 5166360"/>
+              <a:gd name="connsiteX22" fmla="*/ 0 w 12191999"/>
+              <a:gd name="connsiteY22" fmla="*/ 864 h 5166360"/>
+            </a:gdLst>
+            <a:ahLst/>
+            <a:cxnLst>
+              <a:cxn ang="0">
+                <a:pos x="connsiteX0" y="connsiteY0"/>
+              </a:cxn>
+              <a:cxn ang="0">
+                <a:pos x="connsiteX1" y="connsiteY1"/>
+              </a:cxn>
+              <a:cxn ang="0">
+                <a:pos x="connsiteX2" y="connsiteY2"/>
+              </a:cxn>
+              <a:cxn ang="0">
+                <a:pos x="connsiteX3" y="connsiteY3"/>
+              </a:cxn>
+              <a:cxn ang="0">
+                <a:pos x="connsiteX4" y="connsiteY4"/>
+              </a:cxn>
+              <a:cxn ang="0">
+                <a:pos x="connsiteX5" y="connsiteY5"/>
+              </a:cxn>
+              <a:cxn ang="0">
+                <a:pos x="connsiteX6" y="connsiteY6"/>
+              </a:cxn>
+              <a:cxn ang="0">
+                <a:pos x="connsiteX7" y="connsiteY7"/>
+              </a:cxn>
+              <a:cxn ang="0">
+                <a:pos x="connsiteX8" y="connsiteY8"/>
+              </a:cxn>
+              <a:cxn ang="0">
+                <a:pos x="connsiteX9" y="connsiteY9"/>
+              </a:cxn>
+              <a:cxn ang="0">
+                <a:pos x="connsiteX10" y="connsiteY10"/>
+              </a:cxn>
+              <a:cxn ang="0">
+                <a:pos x="connsiteX11" y="connsiteY11"/>
+              </a:cxn>
+              <a:cxn ang="0">
+                <a:pos x="connsiteX12" y="connsiteY12"/>
+              </a:cxn>
+              <a:cxn ang="0">
+                <a:pos x="connsiteX13" y="connsiteY13"/>
+              </a:cxn>
+              <a:cxn ang="0">
+                <a:pos x="connsiteX14" y="connsiteY14"/>
+              </a:cxn>
+              <a:cxn ang="0">
+                <a:pos x="connsiteX15" y="connsiteY15"/>
+              </a:cxn>
+              <a:cxn ang="0">
+                <a:pos x="connsiteX16" y="connsiteY16"/>
+              </a:cxn>
+              <a:cxn ang="0">
+                <a:pos x="connsiteX17" y="connsiteY17"/>
+              </a:cxn>
+              <a:cxn ang="0">
+                <a:pos x="connsiteX18" y="connsiteY18"/>
+              </a:cxn>
+              <a:cxn ang="0">
+                <a:pos x="connsiteX19" y="connsiteY19"/>
+              </a:cxn>
+              <a:cxn ang="0">
+                <a:pos x="connsiteX20" y="connsiteY20"/>
+              </a:cxn>
+              <a:cxn ang="0">
+                <a:pos x="connsiteX21" y="connsiteY21"/>
+              </a:cxn>
+              <a:cxn ang="0">
+                <a:pos x="connsiteX22" y="connsiteY22"/>
+              </a:cxn>
+            </a:cxnLst>
+            <a:rect l="l" t="t" r="r" b="b"/>
+            <a:pathLst>
+              <a:path w="12191999" h="5166360">
+                <a:moveTo>
+                  <a:pt x="0" y="0"/>
+                </a:moveTo>
+                <a:lnTo>
+                  <a:pt x="1822388" y="0"/>
+                </a:lnTo>
+                <a:lnTo>
+                  <a:pt x="6468290" y="0"/>
+                </a:lnTo>
+                <a:lnTo>
+                  <a:pt x="7796394" y="0"/>
+                </a:lnTo>
+                <a:lnTo>
+                  <a:pt x="8376834" y="0"/>
+                </a:lnTo>
+                <a:lnTo>
+                  <a:pt x="9704938" y="0"/>
+                </a:lnTo>
+                <a:lnTo>
+                  <a:pt x="9704938" y="2"/>
+                </a:lnTo>
+                <a:lnTo>
+                  <a:pt x="10283456" y="2"/>
+                </a:lnTo>
+                <a:lnTo>
+                  <a:pt x="10863897" y="2"/>
+                </a:lnTo>
+                <a:lnTo>
+                  <a:pt x="12191999" y="2"/>
+                </a:lnTo>
+                <a:lnTo>
+                  <a:pt x="12191999" y="5166360"/>
+                </a:lnTo>
+                <a:lnTo>
+                  <a:pt x="0" y="5166360"/>
+                </a:lnTo>
+                <a:lnTo>
+                  <a:pt x="0" y="2604436"/>
+                </a:lnTo>
+                <a:lnTo>
+                  <a:pt x="862341" y="743371"/>
+                </a:lnTo>
+                <a:lnTo>
+                  <a:pt x="0" y="743371"/>
+                </a:lnTo>
+                <a:lnTo>
+                  <a:pt x="0" y="742508"/>
+                </a:lnTo>
+                <a:lnTo>
+                  <a:pt x="92826" y="742508"/>
+                </a:lnTo>
+                <a:lnTo>
+                  <a:pt x="406486" y="742508"/>
+                </a:lnTo>
+                <a:lnTo>
+                  <a:pt x="406486" y="742507"/>
+                </a:lnTo>
+                <a:lnTo>
+                  <a:pt x="862741" y="742507"/>
+                </a:lnTo>
+                <a:lnTo>
+                  <a:pt x="1206388" y="864"/>
+                </a:lnTo>
+                <a:lnTo>
+                  <a:pt x="748500" y="864"/>
+                </a:lnTo>
+                <a:lnTo>
+                  <a:pt x="0" y="864"/>
+                </a:lnTo>
+                <a:close/>
+              </a:path>
+            </a:pathLst>
+          </a:custGeom>
+          <a:solidFill>
+            <a:srgbClr val="A6A6A6">
+              <a:alpha val="49804"/>
+            </a:srgbClr>
+          </a:solidFill>
+          <a:ln>
+            <a:noFill/>
+          </a:ln>
+        </p:spPr>
+        <p:style>
+          <a:lnRef idx="2">
+            <a:schemeClr val="accent1">
+              <a:shade val="50000"/>
+            </a:schemeClr>
+          </a:lnRef>
+          <a:fillRef idx="1">
+            <a:schemeClr val="accent1"/>
+          </a:fillRef>
+          <a:effectRef idx="0">
+            <a:schemeClr val="accent1"/>
+          </a:effectRef>
+          <a:fontRef idx="minor">
+            <a:schemeClr val="lt1"/>
+          </a:fontRef>
+        </p:style>
+        <p:txBody>
+          <a:bodyPr wrap="square" rtlCol="0" anchor="ctr">
+            <a:noAutofit/>
+          </a:bodyPr>
+          <a:lstStyle/>
+          <a:p>
+            <a:pPr algn="ctr"/>
+            <a:endParaRPr lang="en-US"/>
+          </a:p>
+        </p:txBody>
+      </p:sp>
+      <p:sp>
+        <p:nvSpPr>
+          <p:cNvPr id="12" name="Freeform: Shape 11">
+            <a:extLst>
+              <a:ext uri="{FF2B5EF4-FFF2-40B4-BE49-F238E27FC236}">
+                <a16:creationId xmlns:a16="http://schemas.microsoft.com/office/drawing/2014/main" id="{479F5F2B-8B58-4140-AE6A-51F6C67B18D9}"/>
+              </a:ext>
+              <a:ext uri="{C183D7F6-B498-43B3-948B-1728B52AA6E4}">
+                <adec:decorative xmlns:adec="http://schemas.microsoft.com/office/drawing/2017/decorative" val="1"/>
+              </a:ext>
+            </a:extLst>
+          </p:cNvPr>
+          <p:cNvSpPr>
+            <a:spLocks noGrp="1" noRot="1" noChangeAspect="1" noMove="1" noResize="1" noEditPoints="1" noAdjustHandles="1" noChangeArrowheads="1" noChangeShapeType="1" noTextEdit="1"/>
+          </p:cNvSpPr>
+          <p:nvPr>
+            <p:extLst>
+              <p:ext uri="{386F3935-93C4-4BCD-93E2-E3B085C9AB24}">
+                <p16:designElem xmlns:p16="http://schemas.microsoft.com/office/powerpoint/2015/main" val="1"/>
+              </p:ext>
+            </p:extLst>
+          </p:nvPr>
+        </p:nvSpPr>
+        <p:spPr>
+          <a:xfrm>
+            <a:off x="0" y="1691641"/>
+            <a:ext cx="971654" cy="2096979"/>
+          </a:xfrm>
+          <a:custGeom>
+            <a:avLst/>
+            <a:gdLst>
+              <a:gd name="connsiteX0" fmla="*/ 0 w 971654"/>
+              <a:gd name="connsiteY0" fmla="*/ 0 h 2096979"/>
+              <a:gd name="connsiteX1" fmla="*/ 971654 w 971654"/>
+              <a:gd name="connsiteY1" fmla="*/ 0 h 2096979"/>
+              <a:gd name="connsiteX2" fmla="*/ 0 w 971654"/>
+              <a:gd name="connsiteY2" fmla="*/ 2096979 h 2096979"/>
+            </a:gdLst>
+            <a:ahLst/>
+            <a:cxnLst>
+              <a:cxn ang="0">
+                <a:pos x="connsiteX0" y="connsiteY0"/>
+              </a:cxn>
+              <a:cxn ang="0">
+                <a:pos x="connsiteX1" y="connsiteY1"/>
+              </a:cxn>
+              <a:cxn ang="0">
+                <a:pos x="connsiteX2" y="connsiteY2"/>
+              </a:cxn>
+            </a:cxnLst>
+            <a:rect l="l" t="t" r="r" b="b"/>
+            <a:pathLst>
+              <a:path w="971654" h="2096979">
+                <a:moveTo>
+                  <a:pt x="0" y="0"/>
+                </a:moveTo>
+                <a:lnTo>
+                  <a:pt x="971654" y="0"/>
+                </a:lnTo>
+                <a:lnTo>
+                  <a:pt x="0" y="2096979"/>
+                </a:lnTo>
+                <a:close/>
+              </a:path>
+            </a:pathLst>
+          </a:custGeom>
+          <a:solidFill>
+            <a:srgbClr val="404040"/>
+          </a:solidFill>
+          <a:ln>
+            <a:noFill/>
+          </a:ln>
+        </p:spPr>
+        <p:style>
+          <a:lnRef idx="2">
+            <a:schemeClr val="accent1">
+              <a:shade val="50000"/>
+            </a:schemeClr>
+          </a:lnRef>
+          <a:fillRef idx="1">
+            <a:schemeClr val="accent1"/>
+          </a:fillRef>
+          <a:effectRef idx="0">
+            <a:schemeClr val="accent1"/>
+          </a:effectRef>
+          <a:fontRef idx="minor">
+            <a:schemeClr val="lt1"/>
+          </a:fontRef>
+        </p:style>
+        <p:txBody>
+          <a:bodyPr wrap="square" rtlCol="0" anchor="ctr">
+            <a:noAutofit/>
+          </a:bodyPr>
+          <a:lstStyle/>
+          <a:p>
+            <a:pPr algn="ctr"/>
+            <a:endParaRPr lang="en-US"/>
+          </a:p>
+        </p:txBody>
+      </p:sp>
+      <p:pic>
+        <p:nvPicPr>
+          <p:cNvPr id="6" name="Kép 5">
+            <a:extLst>
+              <a:ext uri="{FF2B5EF4-FFF2-40B4-BE49-F238E27FC236}">
+                <a16:creationId xmlns:a16="http://schemas.microsoft.com/office/drawing/2014/main" id="{E8717F63-3311-4EEC-BEF8-C29277919A57}"/>
+              </a:ext>
+            </a:extLst>
+          </p:cNvPr>
+          <p:cNvPicPr>
+            <a:picLocks noChangeAspect="1"/>
+          </p:cNvPicPr>
+          <p:nvPr/>
+        </p:nvPicPr>
+        <p:blipFill>
+          <a:blip r:embed="rId2"/>
+          <a:stretch>
+            <a:fillRect/>
+          </a:stretch>
+        </p:blipFill>
+        <p:spPr>
+          <a:xfrm>
+            <a:off x="1539691" y="1960417"/>
+            <a:ext cx="7653233" cy="4179732"/>
+          </a:xfrm>
+          <a:prstGeom prst="rect">
+            <a:avLst/>
+          </a:prstGeom>
+        </p:spPr>
+      </p:pic>
+    </p:spTree>
+    <p:extLst>
+      <p:ext uri="{BB962C8B-B14F-4D97-AF65-F5344CB8AC3E}">
+        <p14:creationId xmlns:p14="http://schemas.microsoft.com/office/powerpoint/2010/main" val="977910914"/>
+      </p:ext>
+    </p:extLst>
+  </p:cSld>
+  <p:clrMapOvr>
+    <a:masterClrMapping/>
+  </p:clrMapOvr>
+  <p:transition spd="slow">
+    <p:cover/>
+  </p:transition>
+</p:sld>
+</file>
+
 <file path=ppt/slides/slide2.xml><?xml version="1.0" encoding="utf-8"?>
 <p:sld xmlns:a="http://schemas.openxmlformats.org/drawingml/2006/main" xmlns:r="http://schemas.openxmlformats.org/officeDocument/2006/relationships" xmlns:p="http://schemas.openxmlformats.org/presentationml/2006/main">
   <p:cSld>
@@ -6401,15 +6995,7 @@
             </a:r>
             <a:r>
               <a:rPr lang="en-US" sz="2400" dirty="0"/>
-              <a:t>DNS/DHCP </a:t>
-            </a:r>
-            <a:r>
-              <a:rPr lang="en-US" sz="2400" dirty="0" err="1"/>
-              <a:t>szerver</a:t>
-            </a:r>
-            <a:r>
-              <a:rPr lang="en-US" sz="2400" dirty="0"/>
-              <a:t>: </a:t>
+              <a:t>DNS/DHCP: </a:t>
             </a:r>
             <a:r>
               <a:rPr lang="hu-HU" sz="2400" dirty="0"/>
@@ -6508,7 +7094,7 @@
             </a:r>
             <a:r>
               <a:rPr lang="en-US" sz="2400" dirty="0"/>
-              <a:t>DNS/D</a:t>
+              <a:t>DNS/</a:t>
             </a:r>
             <a:r>
               <a:rPr lang="hu-HU" sz="2400" dirty="0"/>
